--- a/ppts/Modulo 1/5484 - M01A01.pptx
+++ b/ppts/Modulo 1/5484 - M01A01.pptx
@@ -11,9 +11,7 @@
     <p:sldId id="258" r:id="rId5"/>
     <p:sldId id="323" r:id="rId6"/>
     <p:sldId id="324" r:id="rId7"/>
-    <p:sldId id="325" r:id="rId8"/>
-    <p:sldId id="326" r:id="rId9"/>
-    <p:sldId id="327" r:id="rId10"/>
+    <p:sldId id="328" r:id="rId8"/>
   </p:sldIdLst>
   <p:sldSz cx="12192000" cy="6858000"/>
   <p:notesSz cx="6858000" cy="9144000"/>
@@ -114,7 +112,7 @@
   </p:defaultTextStyle>
   <p:extLst>
     <p:ext uri="{EFAFB233-063F-42B5-8137-9DF3F51BA10A}">
-      <p15:sldGuideLst xmlns:p15="http://schemas.microsoft.com/office/powerpoint/2012/main"/>
+      <p15:sldGuideLst xmlns:p15="http://schemas.microsoft.com/office/powerpoint/2012/main" xmlns=""/>
     </p:ext>
   </p:extLst>
 </p:presentation>
@@ -251,7 +249,7 @@
           <a:p>
             <a:fld id="{F36A889A-630D-4AE9-9509-7F3A71457833}" type="datetimeFigureOut">
               <a:rPr lang="pt-BR" smtClean="0"/>
-              <a:t>22/05/2015</a:t>
+              <a:t>5/22/15</a:t>
             </a:fld>
             <a:endParaRPr lang="pt-BR"/>
           </a:p>
@@ -293,7 +291,7 @@
           <a:p>
             <a:fld id="{DD475296-615C-4F24-857A-30BFC360DA97}" type="slidenum">
               <a:rPr lang="pt-BR" smtClean="0"/>
-              <a:t>‹nº›</a:t>
+              <a:t>‹#›</a:t>
             </a:fld>
             <a:endParaRPr lang="pt-BR"/>
           </a:p>
@@ -421,7 +419,7 @@
           <a:p>
             <a:fld id="{F36A889A-630D-4AE9-9509-7F3A71457833}" type="datetimeFigureOut">
               <a:rPr lang="pt-BR" smtClean="0"/>
-              <a:t>22/05/2015</a:t>
+              <a:t>5/22/15</a:t>
             </a:fld>
             <a:endParaRPr lang="pt-BR"/>
           </a:p>
@@ -463,7 +461,7 @@
           <a:p>
             <a:fld id="{DD475296-615C-4F24-857A-30BFC360DA97}" type="slidenum">
               <a:rPr lang="pt-BR" smtClean="0"/>
-              <a:t>‹nº›</a:t>
+              <a:t>‹#›</a:t>
             </a:fld>
             <a:endParaRPr lang="pt-BR"/>
           </a:p>
@@ -601,7 +599,7 @@
           <a:p>
             <a:fld id="{F36A889A-630D-4AE9-9509-7F3A71457833}" type="datetimeFigureOut">
               <a:rPr lang="pt-BR" smtClean="0"/>
-              <a:t>22/05/2015</a:t>
+              <a:t>5/22/15</a:t>
             </a:fld>
             <a:endParaRPr lang="pt-BR"/>
           </a:p>
@@ -643,7 +641,7 @@
           <a:p>
             <a:fld id="{DD475296-615C-4F24-857A-30BFC360DA97}" type="slidenum">
               <a:rPr lang="pt-BR" smtClean="0"/>
-              <a:t>‹nº›</a:t>
+              <a:t>‹#›</a:t>
             </a:fld>
             <a:endParaRPr lang="pt-BR"/>
           </a:p>
@@ -771,7 +769,7 @@
           <a:p>
             <a:fld id="{F36A889A-630D-4AE9-9509-7F3A71457833}" type="datetimeFigureOut">
               <a:rPr lang="pt-BR" smtClean="0"/>
-              <a:t>22/05/2015</a:t>
+              <a:t>5/22/15</a:t>
             </a:fld>
             <a:endParaRPr lang="pt-BR"/>
           </a:p>
@@ -813,7 +811,7 @@
           <a:p>
             <a:fld id="{DD475296-615C-4F24-857A-30BFC360DA97}" type="slidenum">
               <a:rPr lang="pt-BR" smtClean="0"/>
-              <a:t>‹nº›</a:t>
+              <a:t>‹#›</a:t>
             </a:fld>
             <a:endParaRPr lang="pt-BR"/>
           </a:p>
@@ -1017,7 +1015,7 @@
           <a:p>
             <a:fld id="{F36A889A-630D-4AE9-9509-7F3A71457833}" type="datetimeFigureOut">
               <a:rPr lang="pt-BR" smtClean="0"/>
-              <a:t>22/05/2015</a:t>
+              <a:t>5/22/15</a:t>
             </a:fld>
             <a:endParaRPr lang="pt-BR"/>
           </a:p>
@@ -1059,7 +1057,7 @@
           <a:p>
             <a:fld id="{DD475296-615C-4F24-857A-30BFC360DA97}" type="slidenum">
               <a:rPr lang="pt-BR" smtClean="0"/>
-              <a:t>‹nº›</a:t>
+              <a:t>‹#›</a:t>
             </a:fld>
             <a:endParaRPr lang="pt-BR"/>
           </a:p>
@@ -1249,7 +1247,7 @@
           <a:p>
             <a:fld id="{F36A889A-630D-4AE9-9509-7F3A71457833}" type="datetimeFigureOut">
               <a:rPr lang="pt-BR" smtClean="0"/>
-              <a:t>22/05/2015</a:t>
+              <a:t>5/22/15</a:t>
             </a:fld>
             <a:endParaRPr lang="pt-BR"/>
           </a:p>
@@ -1291,7 +1289,7 @@
           <a:p>
             <a:fld id="{DD475296-615C-4F24-857A-30BFC360DA97}" type="slidenum">
               <a:rPr lang="pt-BR" smtClean="0"/>
-              <a:t>‹nº›</a:t>
+              <a:t>‹#›</a:t>
             </a:fld>
             <a:endParaRPr lang="pt-BR"/>
           </a:p>
@@ -1616,7 +1614,7 @@
           <a:p>
             <a:fld id="{F36A889A-630D-4AE9-9509-7F3A71457833}" type="datetimeFigureOut">
               <a:rPr lang="pt-BR" smtClean="0"/>
-              <a:t>22/05/2015</a:t>
+              <a:t>5/22/15</a:t>
             </a:fld>
             <a:endParaRPr lang="pt-BR"/>
           </a:p>
@@ -1658,7 +1656,7 @@
           <a:p>
             <a:fld id="{DD475296-615C-4F24-857A-30BFC360DA97}" type="slidenum">
               <a:rPr lang="pt-BR" smtClean="0"/>
-              <a:t>‹nº›</a:t>
+              <a:t>‹#›</a:t>
             </a:fld>
             <a:endParaRPr lang="pt-BR"/>
           </a:p>
@@ -1734,7 +1732,7 @@
           <a:p>
             <a:fld id="{F36A889A-630D-4AE9-9509-7F3A71457833}" type="datetimeFigureOut">
               <a:rPr lang="pt-BR" smtClean="0"/>
-              <a:t>22/05/2015</a:t>
+              <a:t>5/22/15</a:t>
             </a:fld>
             <a:endParaRPr lang="pt-BR"/>
           </a:p>
@@ -1776,7 +1774,7 @@
           <a:p>
             <a:fld id="{DD475296-615C-4F24-857A-30BFC360DA97}" type="slidenum">
               <a:rPr lang="pt-BR" smtClean="0"/>
-              <a:t>‹nº›</a:t>
+              <a:t>‹#›</a:t>
             </a:fld>
             <a:endParaRPr lang="pt-BR"/>
           </a:p>
@@ -1829,7 +1827,7 @@
           <a:p>
             <a:fld id="{F36A889A-630D-4AE9-9509-7F3A71457833}" type="datetimeFigureOut">
               <a:rPr lang="pt-BR" smtClean="0"/>
-              <a:t>22/05/2015</a:t>
+              <a:t>5/22/15</a:t>
             </a:fld>
             <a:endParaRPr lang="pt-BR"/>
           </a:p>
@@ -1871,7 +1869,7 @@
           <a:p>
             <a:fld id="{DD475296-615C-4F24-857A-30BFC360DA97}" type="slidenum">
               <a:rPr lang="pt-BR" smtClean="0"/>
-              <a:t>‹nº›</a:t>
+              <a:t>‹#›</a:t>
             </a:fld>
             <a:endParaRPr lang="pt-BR"/>
           </a:p>
@@ -2106,7 +2104,7 @@
           <a:p>
             <a:fld id="{F36A889A-630D-4AE9-9509-7F3A71457833}" type="datetimeFigureOut">
               <a:rPr lang="pt-BR" smtClean="0"/>
-              <a:t>22/05/2015</a:t>
+              <a:t>5/22/15</a:t>
             </a:fld>
             <a:endParaRPr lang="pt-BR"/>
           </a:p>
@@ -2148,7 +2146,7 @@
           <a:p>
             <a:fld id="{DD475296-615C-4F24-857A-30BFC360DA97}" type="slidenum">
               <a:rPr lang="pt-BR" smtClean="0"/>
-              <a:t>‹nº›</a:t>
+              <a:t>‹#›</a:t>
             </a:fld>
             <a:endParaRPr lang="pt-BR"/>
           </a:p>
@@ -2359,7 +2357,7 @@
           <a:p>
             <a:fld id="{F36A889A-630D-4AE9-9509-7F3A71457833}" type="datetimeFigureOut">
               <a:rPr lang="pt-BR" smtClean="0"/>
-              <a:t>22/05/2015</a:t>
+              <a:t>5/22/15</a:t>
             </a:fld>
             <a:endParaRPr lang="pt-BR"/>
           </a:p>
@@ -2401,7 +2399,7 @@
           <a:p>
             <a:fld id="{DD475296-615C-4F24-857A-30BFC360DA97}" type="slidenum">
               <a:rPr lang="pt-BR" smtClean="0"/>
-              <a:t>‹nº›</a:t>
+              <a:t>‹#›</a:t>
             </a:fld>
             <a:endParaRPr lang="pt-BR"/>
           </a:p>
@@ -2572,7 +2570,7 @@
           <a:p>
             <a:fld id="{F36A889A-630D-4AE9-9509-7F3A71457833}" type="datetimeFigureOut">
               <a:rPr lang="pt-BR" smtClean="0"/>
-              <a:t>22/05/2015</a:t>
+              <a:t>5/22/15</a:t>
             </a:fld>
             <a:endParaRPr lang="pt-BR"/>
           </a:p>
@@ -2650,7 +2648,7 @@
           <a:p>
             <a:fld id="{DD475296-615C-4F24-857A-30BFC360DA97}" type="slidenum">
               <a:rPr lang="pt-BR" smtClean="0"/>
-              <a:t>‹nº›</a:t>
+              <a:t>‹#›</a:t>
             </a:fld>
             <a:endParaRPr lang="pt-BR"/>
           </a:p>
@@ -3029,16 +3027,7 @@
                 </a:solidFill>
                 <a:latin typeface="FFF Tusj" panose="02040802050405020203" pitchFamily="18" charset="0"/>
               </a:rPr>
-              <a:t>end</a:t>
-            </a:r>
-            <a:r>
-              <a:rPr lang="pt-BR" dirty="0" err="1" smtClean="0">
-                <a:solidFill>
-                  <a:schemeClr val="bg1"/>
-                </a:solidFill>
-                <a:latin typeface="FFF Tusj" panose="02040802050405020203" pitchFamily="18" charset="0"/>
-              </a:rPr>
-              <a:t>s</a:t>
+              <a:t>ends</a:t>
             </a:r>
             <a:r>
               <a:rPr lang="pt-BR" dirty="0" smtClean="0">
@@ -3154,16 +3143,7 @@
                 </a:solidFill>
                 <a:latin typeface="Bebas Neue" panose="020B0606020202050201" pitchFamily="34" charset="0"/>
               </a:rPr>
-              <a:t>Treinamento realizado em </a:t>
-            </a:r>
-            <a:r>
-              <a:rPr lang="pt-BR" dirty="0" smtClean="0">
-                <a:solidFill>
-                  <a:schemeClr val="bg1"/>
-                </a:solidFill>
-                <a:latin typeface="Bebas Neue" panose="020B0606020202050201" pitchFamily="34" charset="0"/>
-              </a:rPr>
-              <a:t>23/05/2015</a:t>
+              <a:t>Treinamento realizado em 23/05/2015</a:t>
             </a:r>
             <a:endParaRPr lang="pt-BR" dirty="0">
               <a:solidFill>
@@ -3184,13 +3164,13 @@
   <p:clrMapOvr>
     <a:masterClrMapping/>
   </p:clrMapOvr>
-  <p:transition spd="slow">
+  <p:transition xmlns:p14="http://schemas.microsoft.com/office/powerpoint/2010/main" spd="slow">
     <p:push dir="u"/>
   </p:transition>
   <p:timing>
     <p:tnLst>
       <p:par>
-        <p:cTn id="1" dur="indefinite" restart="never" nodeType="tmRoot"/>
+        <p:cTn xmlns:p14="http://schemas.microsoft.com/office/powerpoint/2010/main" id="1" dur="indefinite" restart="never" nodeType="tmRoot"/>
       </p:par>
     </p:tnLst>
   </p:timing>
@@ -3320,13 +3300,13 @@
   <p:clrMapOvr>
     <a:masterClrMapping/>
   </p:clrMapOvr>
-  <p:transition spd="slow">
+  <p:transition xmlns:p14="http://schemas.microsoft.com/office/powerpoint/2010/main" spd="slow">
     <p:push dir="u"/>
   </p:transition>
   <p:timing>
     <p:tnLst>
       <p:par>
-        <p:cTn id="1" dur="indefinite" restart="never" nodeType="tmRoot"/>
+        <p:cTn xmlns:p14="http://schemas.microsoft.com/office/powerpoint/2010/main" id="1" dur="indefinite" restart="never" nodeType="tmRoot"/>
       </p:par>
     </p:tnLst>
   </p:timing>
@@ -3450,13 +3430,13 @@
   <p:clrMapOvr>
     <a:masterClrMapping/>
   </p:clrMapOvr>
-  <p:transition spd="slow">
+  <p:transition xmlns:p14="http://schemas.microsoft.com/office/powerpoint/2010/main" spd="slow">
     <p:push dir="u"/>
   </p:transition>
   <p:timing>
     <p:tnLst>
       <p:par>
-        <p:cTn id="1" dur="indefinite" restart="never" nodeType="tmRoot"/>
+        <p:cTn xmlns:p14="http://schemas.microsoft.com/office/powerpoint/2010/main" id="1" dur="indefinite" restart="never" nodeType="tmRoot"/>
       </p:par>
     </p:tnLst>
   </p:timing>
@@ -3581,13 +3561,13 @@
   <p:clrMapOvr>
     <a:masterClrMapping/>
   </p:clrMapOvr>
-  <p:transition spd="slow">
+  <p:transition xmlns:p14="http://schemas.microsoft.com/office/powerpoint/2010/main" spd="slow">
     <p:push dir="u"/>
   </p:transition>
   <p:timing>
     <p:tnLst>
       <p:par>
-        <p:cTn id="1" dur="indefinite" restart="never" nodeType="tmRoot"/>
+        <p:cTn xmlns:p14="http://schemas.microsoft.com/office/powerpoint/2010/main" id="1" dur="indefinite" restart="never" nodeType="tmRoot"/>
       </p:par>
     </p:tnLst>
   </p:timing>
@@ -3675,20 +3655,90 @@
               <a:t>2 </a:t>
             </a:r>
             <a:r>
-              <a:rPr lang="pt-BR" b="1" dirty="0"/>
-              <a:t>- </a:t>
-            </a:r>
-            <a:r>
               <a:rPr lang="pt-BR" b="1" dirty="0" smtClean="0"/>
-              <a:t>Ferramental</a:t>
-            </a:r>
-            <a:endParaRPr lang="pt-BR" dirty="0"/>
+              <a:t>– Ferramental</a:t>
+            </a:r>
           </a:p>
           <a:p>
             <a:pPr lvl="1" fontAlgn="base"/>
             <a:r>
               <a:rPr lang="pt-BR" dirty="0" err="1" smtClean="0"/>
-              <a:t>xx</a:t>
+              <a:t>Sos</a:t>
+            </a:r>
+            <a:r>
+              <a:rPr lang="pt-BR" dirty="0" smtClean="0"/>
+              <a:t> e Terminais</a:t>
+            </a:r>
+          </a:p>
+          <a:p>
+            <a:pPr lvl="1" fontAlgn="base"/>
+            <a:r>
+              <a:rPr lang="pt-BR" dirty="0" err="1" smtClean="0"/>
+              <a:t>Nodejs</a:t>
+            </a:r>
+            <a:r>
+              <a:rPr lang="pt-BR" dirty="0" smtClean="0"/>
+              <a:t> e </a:t>
+            </a:r>
+            <a:r>
+              <a:rPr lang="pt-BR" dirty="0" err="1" smtClean="0"/>
+              <a:t>npm</a:t>
+            </a:r>
+            <a:endParaRPr lang="pt-BR" dirty="0" smtClean="0"/>
+          </a:p>
+          <a:p>
+            <a:pPr lvl="1" fontAlgn="base"/>
+            <a:r>
+              <a:rPr lang="pt-BR" dirty="0" err="1" smtClean="0"/>
+              <a:t>Bower</a:t>
+            </a:r>
+            <a:r>
+              <a:rPr lang="pt-BR" dirty="0" smtClean="0"/>
+              <a:t> e </a:t>
+            </a:r>
+            <a:r>
+              <a:rPr lang="pt-BR" dirty="0" err="1" smtClean="0"/>
+              <a:t>grunt</a:t>
+            </a:r>
+            <a:endParaRPr lang="pt-BR" dirty="0" smtClean="0"/>
+          </a:p>
+          <a:p>
+            <a:pPr lvl="1" fontAlgn="base"/>
+            <a:r>
+              <a:rPr lang="pt-BR" dirty="0" err="1" smtClean="0"/>
+              <a:t>Vs</a:t>
+            </a:r>
+            <a:r>
+              <a:rPr lang="pt-BR" dirty="0" smtClean="0"/>
+              <a:t>, sublime, </a:t>
+            </a:r>
+            <a:r>
+              <a:rPr lang="pt-BR" dirty="0" err="1" smtClean="0"/>
+              <a:t>brackets</a:t>
+            </a:r>
+            <a:r>
+              <a:rPr lang="pt-BR" dirty="0" smtClean="0"/>
+              <a:t>, </a:t>
+            </a:r>
+            <a:r>
+              <a:rPr lang="pt-BR" dirty="0" err="1" smtClean="0"/>
+              <a:t>webstorm</a:t>
+            </a:r>
+            <a:endParaRPr lang="pt-BR" dirty="0" smtClean="0"/>
+          </a:p>
+          <a:p>
+            <a:pPr lvl="1" fontAlgn="base"/>
+            <a:r>
+              <a:rPr lang="pt-BR" dirty="0" err="1" smtClean="0"/>
+              <a:t>Plugins</a:t>
+            </a:r>
+            <a:endParaRPr lang="pt-BR" dirty="0" smtClean="0"/>
+          </a:p>
+          <a:p>
+            <a:pPr lvl="1" fontAlgn="base"/>
+            <a:r>
+              <a:rPr lang="pt-BR" dirty="0" err="1" smtClean="0"/>
+              <a:t>mongodb</a:t>
             </a:r>
             <a:endParaRPr lang="pt-BR" dirty="0"/>
           </a:p>
@@ -3704,13 +3754,13 @@
   <p:clrMapOvr>
     <a:masterClrMapping/>
   </p:clrMapOvr>
-  <p:transition spd="slow">
+  <p:transition xmlns:p14="http://schemas.microsoft.com/office/powerpoint/2010/main" spd="slow">
     <p:push dir="u"/>
   </p:transition>
   <p:timing>
     <p:tnLst>
       <p:par>
-        <p:cTn id="1" dur="indefinite" restart="never" nodeType="tmRoot"/>
+        <p:cTn xmlns:p14="http://schemas.microsoft.com/office/powerpoint/2010/main" id="1" dur="indefinite" restart="never" nodeType="tmRoot"/>
       </p:par>
     </p:tnLst>
   </p:timing>
@@ -3795,20 +3845,69 @@
             </a:r>
             <a:r>
               <a:rPr lang="pt-BR" b="1" dirty="0" smtClean="0"/>
-              <a:t>3 – Introdução ao </a:t>
-            </a:r>
-            <a:r>
-              <a:rPr lang="pt-BR" b="1" dirty="0" err="1" smtClean="0"/>
-              <a:t>AngularJS</a:t>
-            </a:r>
-            <a:endParaRPr lang="pt-BR" dirty="0"/>
+              <a:t>3 – </a:t>
+            </a:r>
+            <a:r>
+              <a:rPr lang="pt-BR" dirty="0" smtClean="0"/>
+              <a:t>Instalaç</a:t>
+            </a:r>
+            <a:r>
+              <a:rPr lang="pt-BR" dirty="0" smtClean="0"/>
+              <a:t>ão e distribuição</a:t>
+            </a:r>
           </a:p>
           <a:p>
             <a:pPr lvl="1" fontAlgn="base"/>
             <a:r>
+              <a:rPr lang="pt-BR" dirty="0" smtClean="0"/>
+              <a:t>Download e cópia de arquivos</a:t>
+            </a:r>
+          </a:p>
+          <a:p>
+            <a:pPr lvl="1" fontAlgn="base"/>
+            <a:r>
+              <a:rPr lang="pt-BR" dirty="0" smtClean="0"/>
+              <a:t>CDN</a:t>
+            </a:r>
+          </a:p>
+          <a:p>
+            <a:pPr lvl="1" fontAlgn="base"/>
+            <a:r>
               <a:rPr lang="pt-BR" dirty="0" err="1" smtClean="0"/>
-              <a:t>xx</a:t>
-            </a:r>
+              <a:t>Bower</a:t>
+            </a:r>
+            <a:endParaRPr lang="pt-BR" dirty="0" smtClean="0"/>
+          </a:p>
+          <a:p>
+            <a:pPr lvl="1" fontAlgn="base"/>
+            <a:r>
+              <a:rPr lang="pt-BR" dirty="0" smtClean="0"/>
+              <a:t>Comprimindo </a:t>
+            </a:r>
+            <a:r>
+              <a:rPr lang="pt-BR" dirty="0" err="1" smtClean="0"/>
+              <a:t>css</a:t>
+            </a:r>
+            <a:endParaRPr lang="pt-BR" dirty="0" smtClean="0"/>
+          </a:p>
+          <a:p>
+            <a:pPr lvl="1" fontAlgn="base"/>
+            <a:r>
+              <a:rPr lang="pt-BR" dirty="0" smtClean="0"/>
+              <a:t>Comprimindo </a:t>
+            </a:r>
+            <a:r>
+              <a:rPr lang="pt-BR" dirty="0" err="1" smtClean="0"/>
+              <a:t>javascript</a:t>
+            </a:r>
+            <a:endParaRPr lang="pt-BR" dirty="0" smtClean="0"/>
+          </a:p>
+          <a:p>
+            <a:pPr lvl="2" fontAlgn="base"/>
+            <a:endParaRPr lang="pt-BR" dirty="0" smtClean="0"/>
+          </a:p>
+          <a:p>
+            <a:pPr lvl="1" fontAlgn="base"/>
             <a:endParaRPr lang="pt-BR" dirty="0"/>
           </a:p>
         </p:txBody>
@@ -3823,13 +3922,13 @@
   <p:clrMapOvr>
     <a:masterClrMapping/>
   </p:clrMapOvr>
-  <p:transition spd="slow">
+  <p:transition xmlns:p14="http://schemas.microsoft.com/office/powerpoint/2010/main" spd="slow">
     <p:push dir="u"/>
   </p:transition>
   <p:timing>
     <p:tnLst>
       <p:par>
-        <p:cTn id="1" dur="indefinite" restart="never" nodeType="tmRoot"/>
+        <p:cTn xmlns:p14="http://schemas.microsoft.com/office/powerpoint/2010/main" id="1" dur="indefinite" restart="never" nodeType="tmRoot"/>
       </p:par>
     </p:tnLst>
   </p:timing>
@@ -3903,31 +4002,109 @@
         <p:spPr/>
         <p:txBody>
           <a:bodyPr numCol="2">
-            <a:normAutofit/>
+            <a:normAutofit lnSpcReduction="10000"/>
           </a:bodyPr>
           <a:lstStyle/>
           <a:p>
             <a:pPr fontAlgn="base"/>
             <a:r>
               <a:rPr lang="pt-BR" b="1" dirty="0"/>
-              <a:t>Módulo </a:t>
-            </a:r>
-            <a:r>
-              <a:rPr lang="pt-BR" b="1" dirty="0" smtClean="0"/>
-              <a:t>3 – Introdução ao </a:t>
-            </a:r>
-            <a:r>
-              <a:rPr lang="pt-BR" b="1" dirty="0" err="1" smtClean="0"/>
-              <a:t>AngularJS</a:t>
+              <a:t>Módulo 4 – introdução ao </a:t>
+            </a:r>
+            <a:r>
+              <a:rPr lang="pt-BR" b="1" dirty="0" err="1"/>
+              <a:t>angularjs</a:t>
+            </a:r>
+            <a:endParaRPr lang="pt-BR" b="1" dirty="0"/>
+          </a:p>
+          <a:p>
+            <a:pPr lvl="1" fontAlgn="base"/>
+            <a:r>
+              <a:rPr lang="pt-BR" b="1" dirty="0" err="1"/>
+              <a:t>Kickstart</a:t>
+            </a:r>
+            <a:endParaRPr lang="pt-BR" b="1" dirty="0"/>
+          </a:p>
+          <a:p>
+            <a:pPr lvl="1" fontAlgn="base"/>
+            <a:r>
+              <a:rPr lang="pt-BR" dirty="0" err="1"/>
+              <a:t>Controllers</a:t>
             </a:r>
             <a:endParaRPr lang="pt-BR" dirty="0"/>
           </a:p>
           <a:p>
             <a:pPr lvl="1" fontAlgn="base"/>
             <a:r>
-              <a:rPr lang="pt-BR" dirty="0" err="1" smtClean="0"/>
-              <a:t>xx</a:t>
-            </a:r>
+              <a:rPr lang="pt-BR" dirty="0"/>
+              <a:t>Listas</a:t>
+            </a:r>
+          </a:p>
+          <a:p>
+            <a:pPr lvl="1" fontAlgn="base"/>
+            <a:r>
+              <a:rPr lang="pt-BR" dirty="0"/>
+              <a:t>Trabalhando com dados</a:t>
+            </a:r>
+          </a:p>
+          <a:p>
+            <a:pPr lvl="1" fontAlgn="base"/>
+            <a:r>
+              <a:rPr lang="pt-BR" dirty="0"/>
+              <a:t>Outros</a:t>
+            </a:r>
+          </a:p>
+          <a:p>
+            <a:pPr lvl="1" fontAlgn="base"/>
+            <a:r>
+              <a:rPr lang="pt-BR" dirty="0"/>
+              <a:t>Todo </a:t>
+            </a:r>
+            <a:r>
+              <a:rPr lang="pt-BR" dirty="0" err="1"/>
+              <a:t>app</a:t>
+            </a:r>
+            <a:endParaRPr lang="pt-BR" dirty="0"/>
+          </a:p>
+          <a:p>
+            <a:pPr lvl="1" fontAlgn="base"/>
+            <a:r>
+              <a:rPr lang="pt-BR" dirty="0"/>
+              <a:t>Módulos e dependências</a:t>
+            </a:r>
+          </a:p>
+          <a:p>
+            <a:pPr lvl="1" fontAlgn="base"/>
+            <a:r>
+              <a:rPr lang="pt-BR" dirty="0"/>
+              <a:t>Rotas</a:t>
+            </a:r>
+          </a:p>
+          <a:p>
+            <a:pPr lvl="1" fontAlgn="base"/>
+            <a:r>
+              <a:rPr lang="pt-BR" dirty="0"/>
+              <a:t>Estruturando a aplicação</a:t>
+            </a:r>
+          </a:p>
+          <a:p>
+            <a:pPr lvl="1" fontAlgn="base"/>
+            <a:r>
+              <a:rPr lang="pt-BR" dirty="0"/>
+              <a:t>Criando um </a:t>
+            </a:r>
+            <a:r>
+              <a:rPr lang="pt-BR" dirty="0" err="1"/>
+              <a:t>crud</a:t>
+            </a:r>
+            <a:endParaRPr lang="pt-BR" dirty="0"/>
+          </a:p>
+          <a:p>
+            <a:pPr lvl="2" fontAlgn="base"/>
+            <a:endParaRPr lang="pt-BR" dirty="0" smtClean="0"/>
+          </a:p>
+          <a:p>
+            <a:pPr lvl="1" fontAlgn="base"/>
             <a:endParaRPr lang="pt-BR" dirty="0"/>
           </a:p>
         </p:txBody>
@@ -3935,250 +4112,20 @@
     </p:spTree>
     <p:extLst>
       <p:ext uri="{BB962C8B-B14F-4D97-AF65-F5344CB8AC3E}">
-        <p14:creationId xmlns:p14="http://schemas.microsoft.com/office/powerpoint/2010/main" val="4186133988"/>
+        <p14:creationId xmlns:p14="http://schemas.microsoft.com/office/powerpoint/2010/main" val="96824613"/>
       </p:ext>
     </p:extLst>
   </p:cSld>
   <p:clrMapOvr>
     <a:masterClrMapping/>
   </p:clrMapOvr>
-  <p:transition spd="slow">
+  <p:transition xmlns:p14="http://schemas.microsoft.com/office/powerpoint/2010/main" spd="slow">
     <p:push dir="u"/>
   </p:transition>
   <p:timing>
     <p:tnLst>
       <p:par>
-        <p:cTn id="1" dur="indefinite" restart="never" nodeType="tmRoot"/>
-      </p:par>
-    </p:tnLst>
-  </p:timing>
-</p:sld>
-</file>
-
-<file path=ppt/slides/slide8.xml><?xml version="1.0" encoding="utf-8"?>
-<p:sld xmlns:a="http://schemas.openxmlformats.org/drawingml/2006/main" xmlns:r="http://schemas.openxmlformats.org/officeDocument/2006/relationships" xmlns:p="http://schemas.openxmlformats.org/presentationml/2006/main">
-  <p:cSld>
-    <p:bg>
-      <p:bgPr>
-        <a:blipFill dpi="0" rotWithShape="1">
-          <a:blip r:embed="rId2">
-            <a:lum/>
-          </a:blip>
-          <a:srcRect/>
-          <a:stretch>
-            <a:fillRect/>
-          </a:stretch>
-        </a:blipFill>
-        <a:effectLst/>
-      </p:bgPr>
-    </p:bg>
-    <p:spTree>
-      <p:nvGrpSpPr>
-        <p:cNvPr id="1" name=""/>
-        <p:cNvGrpSpPr/>
-        <p:nvPr/>
-      </p:nvGrpSpPr>
-      <p:grpSpPr>
-        <a:xfrm>
-          <a:off x="0" y="0"/>
-          <a:ext cx="0" cy="0"/>
-          <a:chOff x="0" y="0"/>
-          <a:chExt cx="0" cy="0"/>
-        </a:xfrm>
-      </p:grpSpPr>
-      <p:sp>
-        <p:nvSpPr>
-          <p:cNvPr id="2" name="Título 1"/>
-          <p:cNvSpPr>
-            <a:spLocks noGrp="1"/>
-          </p:cNvSpPr>
-          <p:nvPr>
-            <p:ph type="title"/>
-          </p:nvPr>
-        </p:nvSpPr>
-        <p:spPr/>
-        <p:txBody>
-          <a:bodyPr/>
-          <a:lstStyle/>
-          <a:p>
-            <a:r>
-              <a:rPr lang="pt-BR" dirty="0" smtClean="0"/>
-              <a:t>Agenda</a:t>
-            </a:r>
-            <a:endParaRPr lang="pt-BR" dirty="0"/>
-          </a:p>
-        </p:txBody>
-      </p:sp>
-      <p:sp>
-        <p:nvSpPr>
-          <p:cNvPr id="3" name="Espaço Reservado para Conteúdo 2"/>
-          <p:cNvSpPr>
-            <a:spLocks noGrp="1"/>
-          </p:cNvSpPr>
-          <p:nvPr>
-            <p:ph idx="1"/>
-          </p:nvPr>
-        </p:nvSpPr>
-        <p:spPr/>
-        <p:txBody>
-          <a:bodyPr numCol="2">
-            <a:normAutofit/>
-          </a:bodyPr>
-          <a:lstStyle/>
-          <a:p>
-            <a:pPr fontAlgn="base"/>
-            <a:r>
-              <a:rPr lang="pt-BR" b="1" dirty="0"/>
-              <a:t>Módulo </a:t>
-            </a:r>
-            <a:r>
-              <a:rPr lang="pt-BR" b="1" dirty="0" smtClean="0"/>
-              <a:t>4 – FORMULÁRIOS</a:t>
-            </a:r>
-            <a:endParaRPr lang="pt-BR" dirty="0"/>
-          </a:p>
-          <a:p>
-            <a:pPr lvl="1" fontAlgn="base"/>
-            <a:r>
-              <a:rPr lang="pt-BR" dirty="0" err="1" smtClean="0"/>
-              <a:t>xx</a:t>
-            </a:r>
-            <a:endParaRPr lang="pt-BR" dirty="0"/>
-          </a:p>
-        </p:txBody>
-      </p:sp>
-    </p:spTree>
-    <p:extLst>
-      <p:ext uri="{BB962C8B-B14F-4D97-AF65-F5344CB8AC3E}">
-        <p14:creationId xmlns:p14="http://schemas.microsoft.com/office/powerpoint/2010/main" val="4170342777"/>
-      </p:ext>
-    </p:extLst>
-  </p:cSld>
-  <p:clrMapOvr>
-    <a:masterClrMapping/>
-  </p:clrMapOvr>
-  <p:transition spd="slow">
-    <p:push dir="u"/>
-  </p:transition>
-  <p:timing>
-    <p:tnLst>
-      <p:par>
-        <p:cTn id="1" dur="indefinite" restart="never" nodeType="tmRoot"/>
-      </p:par>
-    </p:tnLst>
-  </p:timing>
-</p:sld>
-</file>
-
-<file path=ppt/slides/slide9.xml><?xml version="1.0" encoding="utf-8"?>
-<p:sld xmlns:a="http://schemas.openxmlformats.org/drawingml/2006/main" xmlns:r="http://schemas.openxmlformats.org/officeDocument/2006/relationships" xmlns:p="http://schemas.openxmlformats.org/presentationml/2006/main">
-  <p:cSld>
-    <p:bg>
-      <p:bgPr>
-        <a:blipFill dpi="0" rotWithShape="1">
-          <a:blip r:embed="rId2">
-            <a:lum/>
-          </a:blip>
-          <a:srcRect/>
-          <a:stretch>
-            <a:fillRect/>
-          </a:stretch>
-        </a:blipFill>
-        <a:effectLst/>
-      </p:bgPr>
-    </p:bg>
-    <p:spTree>
-      <p:nvGrpSpPr>
-        <p:cNvPr id="1" name=""/>
-        <p:cNvGrpSpPr/>
-        <p:nvPr/>
-      </p:nvGrpSpPr>
-      <p:grpSpPr>
-        <a:xfrm>
-          <a:off x="0" y="0"/>
-          <a:ext cx="0" cy="0"/>
-          <a:chOff x="0" y="0"/>
-          <a:chExt cx="0" cy="0"/>
-        </a:xfrm>
-      </p:grpSpPr>
-      <p:sp>
-        <p:nvSpPr>
-          <p:cNvPr id="2" name="Título 1"/>
-          <p:cNvSpPr>
-            <a:spLocks noGrp="1"/>
-          </p:cNvSpPr>
-          <p:nvPr>
-            <p:ph type="title"/>
-          </p:nvPr>
-        </p:nvSpPr>
-        <p:spPr/>
-        <p:txBody>
-          <a:bodyPr/>
-          <a:lstStyle/>
-          <a:p>
-            <a:r>
-              <a:rPr lang="pt-BR" dirty="0" smtClean="0"/>
-              <a:t>Agenda</a:t>
-            </a:r>
-            <a:endParaRPr lang="pt-BR" dirty="0"/>
-          </a:p>
-        </p:txBody>
-      </p:sp>
-      <p:sp>
-        <p:nvSpPr>
-          <p:cNvPr id="3" name="Espaço Reservado para Conteúdo 2"/>
-          <p:cNvSpPr>
-            <a:spLocks noGrp="1"/>
-          </p:cNvSpPr>
-          <p:nvPr>
-            <p:ph idx="1"/>
-          </p:nvPr>
-        </p:nvSpPr>
-        <p:spPr/>
-        <p:txBody>
-          <a:bodyPr numCol="2">
-            <a:normAutofit/>
-          </a:bodyPr>
-          <a:lstStyle/>
-          <a:p>
-            <a:pPr fontAlgn="base"/>
-            <a:r>
-              <a:rPr lang="pt-BR" b="1" dirty="0"/>
-              <a:t>Módulo </a:t>
-            </a:r>
-            <a:r>
-              <a:rPr lang="pt-BR" b="1" dirty="0" smtClean="0"/>
-              <a:t>5 – DIRETIVAS</a:t>
-            </a:r>
-            <a:endParaRPr lang="pt-BR" dirty="0"/>
-          </a:p>
-          <a:p>
-            <a:pPr lvl="1" fontAlgn="base"/>
-            <a:r>
-              <a:rPr lang="pt-BR" dirty="0" err="1" smtClean="0"/>
-              <a:t>xx</a:t>
-            </a:r>
-            <a:endParaRPr lang="pt-BR" dirty="0"/>
-          </a:p>
-        </p:txBody>
-      </p:sp>
-    </p:spTree>
-    <p:extLst>
-      <p:ext uri="{BB962C8B-B14F-4D97-AF65-F5344CB8AC3E}">
-        <p14:creationId xmlns:p14="http://schemas.microsoft.com/office/powerpoint/2010/main" val="2001677296"/>
-      </p:ext>
-    </p:extLst>
-  </p:cSld>
-  <p:clrMapOvr>
-    <a:masterClrMapping/>
-  </p:clrMapOvr>
-  <p:transition spd="slow">
-    <p:push dir="u"/>
-  </p:transition>
-  <p:timing>
-    <p:tnLst>
-      <p:par>
-        <p:cTn id="1" dur="indefinite" restart="never" nodeType="tmRoot"/>
+        <p:cTn xmlns:p14="http://schemas.microsoft.com/office/powerpoint/2010/main" id="1" dur="indefinite" restart="never" nodeType="tmRoot"/>
       </p:par>
     </p:tnLst>
   </p:timing>
@@ -4380,7 +4327,7 @@
   <a:extraClrSchemeLst/>
   <a:extLst>
     <a:ext uri="{05A4C25C-085E-4340-85A3-A5531E510DB2}">
-      <thm15:themeFamily xmlns:thm15="http://schemas.microsoft.com/office/thememl/2012/main" name="Office Theme" id="{62F939B6-93AF-4DB8-9C6B-D6C7DFDC589F}" vid="{4A3C46E8-61CC-4603-A589-7422A47A8E4A}"/>
+      <thm15:themeFamily xmlns:thm15="http://schemas.microsoft.com/office/thememl/2012/main" xmlns="" name="Office Theme" id="{62F939B6-93AF-4DB8-9C6B-D6C7DFDC589F}" vid="{4A3C46E8-61CC-4603-A589-7422A47A8E4A}"/>
     </a:ext>
   </a:extLst>
 </a:theme>
